--- a/ppt 16-9/0832.祂必应允.pptx
+++ b/ppt 16-9/0832.祂必应允.pptx
@@ -129,7 +129,7 @@
           <p:cNvPr id="2" name="标题 1">
             <a:extLst>
               <a:ext uri="{FF2B5EF4-FFF2-40B4-BE49-F238E27FC236}">
-                <a16:creationId xmlns:a16="http://schemas.microsoft.com/office/drawing/2014/main" id="{0F26FD63-AAA2-EE4A-5174-8657BE1F0E10}"/>
+                <a16:creationId xmlns:a16="http://schemas.microsoft.com/office/drawing/2014/main" id="{FAD3C3EB-47BA-C305-9C74-45EAE3EA4AB7}"/>
               </a:ext>
             </a:extLst>
           </p:cNvPr>
@@ -166,7 +166,7 @@
           <p:cNvPr id="3" name="副标题 2">
             <a:extLst>
               <a:ext uri="{FF2B5EF4-FFF2-40B4-BE49-F238E27FC236}">
-                <a16:creationId xmlns:a16="http://schemas.microsoft.com/office/drawing/2014/main" id="{18963EA3-8C00-DBD7-BD8B-EF79766D9E7C}"/>
+                <a16:creationId xmlns:a16="http://schemas.microsoft.com/office/drawing/2014/main" id="{042359D9-35D0-1199-530E-EBDE33F3B8B0}"/>
               </a:ext>
             </a:extLst>
           </p:cNvPr>
@@ -236,7 +236,7 @@
           <p:cNvPr id="4" name="日期占位符 3">
             <a:extLst>
               <a:ext uri="{FF2B5EF4-FFF2-40B4-BE49-F238E27FC236}">
-                <a16:creationId xmlns:a16="http://schemas.microsoft.com/office/drawing/2014/main" id="{6A8F80EB-6A3E-80EA-771C-8A95F18C2227}"/>
+                <a16:creationId xmlns:a16="http://schemas.microsoft.com/office/drawing/2014/main" id="{65A9EDF0-00EB-89EF-24AF-7DE3A919DAD1}"/>
               </a:ext>
             </a:extLst>
           </p:cNvPr>
@@ -252,7 +252,7 @@
           <a:bodyPr/>
           <a:lstStyle/>
           <a:p>
-            <a:fld id="{C2BF6CB3-DFD8-444F-8360-7666EAF6419C}" type="datetimeFigureOut">
+            <a:fld id="{AB8903FF-444F-46B2-9D98-727DC7632E01}" type="datetimeFigureOut">
               <a:rPr lang="zh-CN" altLang="en-US" smtClean="0"/>
               <a:t>2024/3/10</a:t>
             </a:fld>
@@ -265,7 +265,7 @@
           <p:cNvPr id="5" name="页脚占位符 4">
             <a:extLst>
               <a:ext uri="{FF2B5EF4-FFF2-40B4-BE49-F238E27FC236}">
-                <a16:creationId xmlns:a16="http://schemas.microsoft.com/office/drawing/2014/main" id="{7EFECA93-9B48-95A0-9F91-684B98338213}"/>
+                <a16:creationId xmlns:a16="http://schemas.microsoft.com/office/drawing/2014/main" id="{E5FD1E47-1085-7D15-531F-DC286E9B9047}"/>
               </a:ext>
             </a:extLst>
           </p:cNvPr>
@@ -290,7 +290,7 @@
           <p:cNvPr id="6" name="灯片编号占位符 5">
             <a:extLst>
               <a:ext uri="{FF2B5EF4-FFF2-40B4-BE49-F238E27FC236}">
-                <a16:creationId xmlns:a16="http://schemas.microsoft.com/office/drawing/2014/main" id="{D25D1558-7C3C-6FFB-4A14-170EDAD68D3F}"/>
+                <a16:creationId xmlns:a16="http://schemas.microsoft.com/office/drawing/2014/main" id="{E421F5BE-935B-1612-885A-7DC0BC5899D7}"/>
               </a:ext>
             </a:extLst>
           </p:cNvPr>
@@ -306,7 +306,7 @@
           <a:bodyPr/>
           <a:lstStyle/>
           <a:p>
-            <a:fld id="{9FC84C4B-8707-41F4-9788-F2BF6660B710}" type="slidenum">
+            <a:fld id="{F710F418-8A43-4168-B232-EE8B525EF93F}" type="slidenum">
               <a:rPr lang="zh-CN" altLang="en-US" smtClean="0"/>
               <a:t>‹#›</a:t>
             </a:fld>
@@ -317,7 +317,7 @@
     </p:spTree>
     <p:extLst>
       <p:ext uri="{BB962C8B-B14F-4D97-AF65-F5344CB8AC3E}">
-        <p14:creationId xmlns:p14="http://schemas.microsoft.com/office/powerpoint/2010/main" val="1645704935"/>
+        <p14:creationId xmlns:p14="http://schemas.microsoft.com/office/powerpoint/2010/main" val="763583803"/>
       </p:ext>
     </p:extLst>
   </p:cSld>
@@ -349,7 +349,7 @@
           <p:cNvPr id="2" name="标题 1">
             <a:extLst>
               <a:ext uri="{FF2B5EF4-FFF2-40B4-BE49-F238E27FC236}">
-                <a16:creationId xmlns:a16="http://schemas.microsoft.com/office/drawing/2014/main" id="{FE26EE9C-F985-F68E-42AC-C064ACB98282}"/>
+                <a16:creationId xmlns:a16="http://schemas.microsoft.com/office/drawing/2014/main" id="{8D45249C-8434-687C-5FFB-505FD7F7D380}"/>
               </a:ext>
             </a:extLst>
           </p:cNvPr>
@@ -377,7 +377,7 @@
           <p:cNvPr id="3" name="竖排文字占位符 2">
             <a:extLst>
               <a:ext uri="{FF2B5EF4-FFF2-40B4-BE49-F238E27FC236}">
-                <a16:creationId xmlns:a16="http://schemas.microsoft.com/office/drawing/2014/main" id="{4FB0DAA2-1DFD-B94C-9DC2-942A8832DD83}"/>
+                <a16:creationId xmlns:a16="http://schemas.microsoft.com/office/drawing/2014/main" id="{29F2726A-B527-C6FA-A963-6126145EEFF0}"/>
               </a:ext>
             </a:extLst>
           </p:cNvPr>
@@ -434,7 +434,7 @@
           <p:cNvPr id="4" name="日期占位符 3">
             <a:extLst>
               <a:ext uri="{FF2B5EF4-FFF2-40B4-BE49-F238E27FC236}">
-                <a16:creationId xmlns:a16="http://schemas.microsoft.com/office/drawing/2014/main" id="{5C6A43D4-DACD-0E7A-9BC4-C974689300AB}"/>
+                <a16:creationId xmlns:a16="http://schemas.microsoft.com/office/drawing/2014/main" id="{006AAAEA-B0BB-257B-8271-70978AAC52B9}"/>
               </a:ext>
             </a:extLst>
           </p:cNvPr>
@@ -450,7 +450,7 @@
           <a:bodyPr/>
           <a:lstStyle/>
           <a:p>
-            <a:fld id="{C2BF6CB3-DFD8-444F-8360-7666EAF6419C}" type="datetimeFigureOut">
+            <a:fld id="{AB8903FF-444F-46B2-9D98-727DC7632E01}" type="datetimeFigureOut">
               <a:rPr lang="zh-CN" altLang="en-US" smtClean="0"/>
               <a:t>2024/3/10</a:t>
             </a:fld>
@@ -463,7 +463,7 @@
           <p:cNvPr id="5" name="页脚占位符 4">
             <a:extLst>
               <a:ext uri="{FF2B5EF4-FFF2-40B4-BE49-F238E27FC236}">
-                <a16:creationId xmlns:a16="http://schemas.microsoft.com/office/drawing/2014/main" id="{D4CBF7A9-C5F8-C044-E711-401B6715B8F1}"/>
+                <a16:creationId xmlns:a16="http://schemas.microsoft.com/office/drawing/2014/main" id="{72422D15-7D3E-4472-75DD-6AC784C570EA}"/>
               </a:ext>
             </a:extLst>
           </p:cNvPr>
@@ -488,7 +488,7 @@
           <p:cNvPr id="6" name="灯片编号占位符 5">
             <a:extLst>
               <a:ext uri="{FF2B5EF4-FFF2-40B4-BE49-F238E27FC236}">
-                <a16:creationId xmlns:a16="http://schemas.microsoft.com/office/drawing/2014/main" id="{CD129BD5-5903-F09F-0024-4F8B7FB0C8F6}"/>
+                <a16:creationId xmlns:a16="http://schemas.microsoft.com/office/drawing/2014/main" id="{962C8A76-39AE-8883-6D75-F7B128228249}"/>
               </a:ext>
             </a:extLst>
           </p:cNvPr>
@@ -504,7 +504,7 @@
           <a:bodyPr/>
           <a:lstStyle/>
           <a:p>
-            <a:fld id="{9FC84C4B-8707-41F4-9788-F2BF6660B710}" type="slidenum">
+            <a:fld id="{F710F418-8A43-4168-B232-EE8B525EF93F}" type="slidenum">
               <a:rPr lang="zh-CN" altLang="en-US" smtClean="0"/>
               <a:t>‹#›</a:t>
             </a:fld>
@@ -515,7 +515,7 @@
     </p:spTree>
     <p:extLst>
       <p:ext uri="{BB962C8B-B14F-4D97-AF65-F5344CB8AC3E}">
-        <p14:creationId xmlns:p14="http://schemas.microsoft.com/office/powerpoint/2010/main" val="3408939561"/>
+        <p14:creationId xmlns:p14="http://schemas.microsoft.com/office/powerpoint/2010/main" val="3491492127"/>
       </p:ext>
     </p:extLst>
   </p:cSld>
@@ -547,7 +547,7 @@
           <p:cNvPr id="2" name="竖排标题 1">
             <a:extLst>
               <a:ext uri="{FF2B5EF4-FFF2-40B4-BE49-F238E27FC236}">
-                <a16:creationId xmlns:a16="http://schemas.microsoft.com/office/drawing/2014/main" id="{6C6B9F80-894D-B48C-D8E5-04192FFD4975}"/>
+                <a16:creationId xmlns:a16="http://schemas.microsoft.com/office/drawing/2014/main" id="{C976E5E9-21E3-4151-3F68-297781BAF31B}"/>
               </a:ext>
             </a:extLst>
           </p:cNvPr>
@@ -580,7 +580,7 @@
           <p:cNvPr id="3" name="竖排文字占位符 2">
             <a:extLst>
               <a:ext uri="{FF2B5EF4-FFF2-40B4-BE49-F238E27FC236}">
-                <a16:creationId xmlns:a16="http://schemas.microsoft.com/office/drawing/2014/main" id="{C66DE84D-1E44-F7B9-7D05-41F144268E81}"/>
+                <a16:creationId xmlns:a16="http://schemas.microsoft.com/office/drawing/2014/main" id="{9ABB658C-A7A9-3BA7-B37A-E8D96F893479}"/>
               </a:ext>
             </a:extLst>
           </p:cNvPr>
@@ -642,7 +642,7 @@
           <p:cNvPr id="4" name="日期占位符 3">
             <a:extLst>
               <a:ext uri="{FF2B5EF4-FFF2-40B4-BE49-F238E27FC236}">
-                <a16:creationId xmlns:a16="http://schemas.microsoft.com/office/drawing/2014/main" id="{440FD8BD-ADD2-3B00-01B9-049FE7524B4A}"/>
+                <a16:creationId xmlns:a16="http://schemas.microsoft.com/office/drawing/2014/main" id="{5E532464-EDDC-BEA0-170F-4EE6C15FB9B2}"/>
               </a:ext>
             </a:extLst>
           </p:cNvPr>
@@ -658,7 +658,7 @@
           <a:bodyPr/>
           <a:lstStyle/>
           <a:p>
-            <a:fld id="{C2BF6CB3-DFD8-444F-8360-7666EAF6419C}" type="datetimeFigureOut">
+            <a:fld id="{AB8903FF-444F-46B2-9D98-727DC7632E01}" type="datetimeFigureOut">
               <a:rPr lang="zh-CN" altLang="en-US" smtClean="0"/>
               <a:t>2024/3/10</a:t>
             </a:fld>
@@ -671,7 +671,7 @@
           <p:cNvPr id="5" name="页脚占位符 4">
             <a:extLst>
               <a:ext uri="{FF2B5EF4-FFF2-40B4-BE49-F238E27FC236}">
-                <a16:creationId xmlns:a16="http://schemas.microsoft.com/office/drawing/2014/main" id="{0C0A4D4E-12F7-0B8C-0AB1-3272A41E3D07}"/>
+                <a16:creationId xmlns:a16="http://schemas.microsoft.com/office/drawing/2014/main" id="{C0B19AFB-6298-FC43-6C68-B91906022BE7}"/>
               </a:ext>
             </a:extLst>
           </p:cNvPr>
@@ -696,7 +696,7 @@
           <p:cNvPr id="6" name="灯片编号占位符 5">
             <a:extLst>
               <a:ext uri="{FF2B5EF4-FFF2-40B4-BE49-F238E27FC236}">
-                <a16:creationId xmlns:a16="http://schemas.microsoft.com/office/drawing/2014/main" id="{E991B992-B613-673D-0C10-61658856ED6E}"/>
+                <a16:creationId xmlns:a16="http://schemas.microsoft.com/office/drawing/2014/main" id="{B2399E58-5145-EF3C-67F4-34099440186C}"/>
               </a:ext>
             </a:extLst>
           </p:cNvPr>
@@ -712,7 +712,7 @@
           <a:bodyPr/>
           <a:lstStyle/>
           <a:p>
-            <a:fld id="{9FC84C4B-8707-41F4-9788-F2BF6660B710}" type="slidenum">
+            <a:fld id="{F710F418-8A43-4168-B232-EE8B525EF93F}" type="slidenum">
               <a:rPr lang="zh-CN" altLang="en-US" smtClean="0"/>
               <a:t>‹#›</a:t>
             </a:fld>
@@ -723,7 +723,7 @@
     </p:spTree>
     <p:extLst>
       <p:ext uri="{BB962C8B-B14F-4D97-AF65-F5344CB8AC3E}">
-        <p14:creationId xmlns:p14="http://schemas.microsoft.com/office/powerpoint/2010/main" val="3075115765"/>
+        <p14:creationId xmlns:p14="http://schemas.microsoft.com/office/powerpoint/2010/main" val="1496330505"/>
       </p:ext>
     </p:extLst>
   </p:cSld>
@@ -755,7 +755,7 @@
           <p:cNvPr id="2" name="标题 1">
             <a:extLst>
               <a:ext uri="{FF2B5EF4-FFF2-40B4-BE49-F238E27FC236}">
-                <a16:creationId xmlns:a16="http://schemas.microsoft.com/office/drawing/2014/main" id="{3D72E297-BF06-5D4F-97DB-84EB3A556780}"/>
+                <a16:creationId xmlns:a16="http://schemas.microsoft.com/office/drawing/2014/main" id="{210CC80F-A735-DAFF-BA97-74795E67D7EB}"/>
               </a:ext>
             </a:extLst>
           </p:cNvPr>
@@ -783,7 +783,7 @@
           <p:cNvPr id="3" name="内容占位符 2">
             <a:extLst>
               <a:ext uri="{FF2B5EF4-FFF2-40B4-BE49-F238E27FC236}">
-                <a16:creationId xmlns:a16="http://schemas.microsoft.com/office/drawing/2014/main" id="{42C4498E-AFA3-60A9-6895-81AA479EDBDB}"/>
+                <a16:creationId xmlns:a16="http://schemas.microsoft.com/office/drawing/2014/main" id="{7F5E81EF-D370-D2D4-3066-A3497D3A8FD5}"/>
               </a:ext>
             </a:extLst>
           </p:cNvPr>
@@ -840,7 +840,7 @@
           <p:cNvPr id="4" name="日期占位符 3">
             <a:extLst>
               <a:ext uri="{FF2B5EF4-FFF2-40B4-BE49-F238E27FC236}">
-                <a16:creationId xmlns:a16="http://schemas.microsoft.com/office/drawing/2014/main" id="{88FCEB71-2F06-A112-EE16-8A5B3041038E}"/>
+                <a16:creationId xmlns:a16="http://schemas.microsoft.com/office/drawing/2014/main" id="{6508AB26-8BE9-2B46-D4B0-BC10B03C6C18}"/>
               </a:ext>
             </a:extLst>
           </p:cNvPr>
@@ -856,7 +856,7 @@
           <a:bodyPr/>
           <a:lstStyle/>
           <a:p>
-            <a:fld id="{C2BF6CB3-DFD8-444F-8360-7666EAF6419C}" type="datetimeFigureOut">
+            <a:fld id="{AB8903FF-444F-46B2-9D98-727DC7632E01}" type="datetimeFigureOut">
               <a:rPr lang="zh-CN" altLang="en-US" smtClean="0"/>
               <a:t>2024/3/10</a:t>
             </a:fld>
@@ -869,7 +869,7 @@
           <p:cNvPr id="5" name="页脚占位符 4">
             <a:extLst>
               <a:ext uri="{FF2B5EF4-FFF2-40B4-BE49-F238E27FC236}">
-                <a16:creationId xmlns:a16="http://schemas.microsoft.com/office/drawing/2014/main" id="{EF5C3DD2-C2B3-F5F8-9CEB-DB2C47A4360E}"/>
+                <a16:creationId xmlns:a16="http://schemas.microsoft.com/office/drawing/2014/main" id="{9B88CA31-865E-7B30-F7ED-ECE11C43CB18}"/>
               </a:ext>
             </a:extLst>
           </p:cNvPr>
@@ -894,7 +894,7 @@
           <p:cNvPr id="6" name="灯片编号占位符 5">
             <a:extLst>
               <a:ext uri="{FF2B5EF4-FFF2-40B4-BE49-F238E27FC236}">
-                <a16:creationId xmlns:a16="http://schemas.microsoft.com/office/drawing/2014/main" id="{CFC78D15-27C5-AE96-C538-28536550956D}"/>
+                <a16:creationId xmlns:a16="http://schemas.microsoft.com/office/drawing/2014/main" id="{909BDC52-5E72-254D-CC5B-BE5E2847459C}"/>
               </a:ext>
             </a:extLst>
           </p:cNvPr>
@@ -910,7 +910,7 @@
           <a:bodyPr/>
           <a:lstStyle/>
           <a:p>
-            <a:fld id="{9FC84C4B-8707-41F4-9788-F2BF6660B710}" type="slidenum">
+            <a:fld id="{F710F418-8A43-4168-B232-EE8B525EF93F}" type="slidenum">
               <a:rPr lang="zh-CN" altLang="en-US" smtClean="0"/>
               <a:t>‹#›</a:t>
             </a:fld>
@@ -921,7 +921,7 @@
     </p:spTree>
     <p:extLst>
       <p:ext uri="{BB962C8B-B14F-4D97-AF65-F5344CB8AC3E}">
-        <p14:creationId xmlns:p14="http://schemas.microsoft.com/office/powerpoint/2010/main" val="876383608"/>
+        <p14:creationId xmlns:p14="http://schemas.microsoft.com/office/powerpoint/2010/main" val="2878465644"/>
       </p:ext>
     </p:extLst>
   </p:cSld>
@@ -953,7 +953,7 @@
           <p:cNvPr id="2" name="标题 1">
             <a:extLst>
               <a:ext uri="{FF2B5EF4-FFF2-40B4-BE49-F238E27FC236}">
-                <a16:creationId xmlns:a16="http://schemas.microsoft.com/office/drawing/2014/main" id="{F9333972-BD71-A44A-1BD1-94808E48131F}"/>
+                <a16:creationId xmlns:a16="http://schemas.microsoft.com/office/drawing/2014/main" id="{97D840FB-5D8E-641F-0C0F-93E03896B891}"/>
               </a:ext>
             </a:extLst>
           </p:cNvPr>
@@ -990,7 +990,7 @@
           <p:cNvPr id="3" name="文本占位符 2">
             <a:extLst>
               <a:ext uri="{FF2B5EF4-FFF2-40B4-BE49-F238E27FC236}">
-                <a16:creationId xmlns:a16="http://schemas.microsoft.com/office/drawing/2014/main" id="{414E58C6-552F-3CBC-4AA4-C06F61C41B1F}"/>
+                <a16:creationId xmlns:a16="http://schemas.microsoft.com/office/drawing/2014/main" id="{AE01C7FE-01ED-540D-C09F-D1ED60EEC2BE}"/>
               </a:ext>
             </a:extLst>
           </p:cNvPr>
@@ -1115,7 +1115,7 @@
           <p:cNvPr id="4" name="日期占位符 3">
             <a:extLst>
               <a:ext uri="{FF2B5EF4-FFF2-40B4-BE49-F238E27FC236}">
-                <a16:creationId xmlns:a16="http://schemas.microsoft.com/office/drawing/2014/main" id="{8075292C-9E0D-A307-BD66-D7CEC0B7ABAA}"/>
+                <a16:creationId xmlns:a16="http://schemas.microsoft.com/office/drawing/2014/main" id="{03428A70-6AF9-0574-0767-A3D7BC35BF7D}"/>
               </a:ext>
             </a:extLst>
           </p:cNvPr>
@@ -1131,7 +1131,7 @@
           <a:bodyPr/>
           <a:lstStyle/>
           <a:p>
-            <a:fld id="{C2BF6CB3-DFD8-444F-8360-7666EAF6419C}" type="datetimeFigureOut">
+            <a:fld id="{AB8903FF-444F-46B2-9D98-727DC7632E01}" type="datetimeFigureOut">
               <a:rPr lang="zh-CN" altLang="en-US" smtClean="0"/>
               <a:t>2024/3/10</a:t>
             </a:fld>
@@ -1144,7 +1144,7 @@
           <p:cNvPr id="5" name="页脚占位符 4">
             <a:extLst>
               <a:ext uri="{FF2B5EF4-FFF2-40B4-BE49-F238E27FC236}">
-                <a16:creationId xmlns:a16="http://schemas.microsoft.com/office/drawing/2014/main" id="{457DBB8F-4241-487D-5D41-0468A5B2F661}"/>
+                <a16:creationId xmlns:a16="http://schemas.microsoft.com/office/drawing/2014/main" id="{E20898C7-0D1B-1035-B61B-CF1E12DC7BD6}"/>
               </a:ext>
             </a:extLst>
           </p:cNvPr>
@@ -1169,7 +1169,7 @@
           <p:cNvPr id="6" name="灯片编号占位符 5">
             <a:extLst>
               <a:ext uri="{FF2B5EF4-FFF2-40B4-BE49-F238E27FC236}">
-                <a16:creationId xmlns:a16="http://schemas.microsoft.com/office/drawing/2014/main" id="{34D956AB-2853-6586-6D76-2EFF60C73DAB}"/>
+                <a16:creationId xmlns:a16="http://schemas.microsoft.com/office/drawing/2014/main" id="{35739960-1CB2-0163-FF8E-32F608E52473}"/>
               </a:ext>
             </a:extLst>
           </p:cNvPr>
@@ -1185,7 +1185,7 @@
           <a:bodyPr/>
           <a:lstStyle/>
           <a:p>
-            <a:fld id="{9FC84C4B-8707-41F4-9788-F2BF6660B710}" type="slidenum">
+            <a:fld id="{F710F418-8A43-4168-B232-EE8B525EF93F}" type="slidenum">
               <a:rPr lang="zh-CN" altLang="en-US" smtClean="0"/>
               <a:t>‹#›</a:t>
             </a:fld>
@@ -1196,7 +1196,7 @@
     </p:spTree>
     <p:extLst>
       <p:ext uri="{BB962C8B-B14F-4D97-AF65-F5344CB8AC3E}">
-        <p14:creationId xmlns:p14="http://schemas.microsoft.com/office/powerpoint/2010/main" val="2803510874"/>
+        <p14:creationId xmlns:p14="http://schemas.microsoft.com/office/powerpoint/2010/main" val="2827547132"/>
       </p:ext>
     </p:extLst>
   </p:cSld>
@@ -1228,7 +1228,7 @@
           <p:cNvPr id="2" name="标题 1">
             <a:extLst>
               <a:ext uri="{FF2B5EF4-FFF2-40B4-BE49-F238E27FC236}">
-                <a16:creationId xmlns:a16="http://schemas.microsoft.com/office/drawing/2014/main" id="{1E44B66B-9605-0B98-C254-F77D11DD6B22}"/>
+                <a16:creationId xmlns:a16="http://schemas.microsoft.com/office/drawing/2014/main" id="{21884E48-84FF-EA1B-CF26-C595979E3790}"/>
               </a:ext>
             </a:extLst>
           </p:cNvPr>
@@ -1256,7 +1256,7 @@
           <p:cNvPr id="3" name="内容占位符 2">
             <a:extLst>
               <a:ext uri="{FF2B5EF4-FFF2-40B4-BE49-F238E27FC236}">
-                <a16:creationId xmlns:a16="http://schemas.microsoft.com/office/drawing/2014/main" id="{40012A1E-C313-13B9-8FA4-6D58FCB9E583}"/>
+                <a16:creationId xmlns:a16="http://schemas.microsoft.com/office/drawing/2014/main" id="{297C8E80-0739-022B-DE1C-172D6E6B43A4}"/>
               </a:ext>
             </a:extLst>
           </p:cNvPr>
@@ -1318,7 +1318,7 @@
           <p:cNvPr id="4" name="内容占位符 3">
             <a:extLst>
               <a:ext uri="{FF2B5EF4-FFF2-40B4-BE49-F238E27FC236}">
-                <a16:creationId xmlns:a16="http://schemas.microsoft.com/office/drawing/2014/main" id="{516895D8-AE6F-661B-A53F-21ADDA4EE5F8}"/>
+                <a16:creationId xmlns:a16="http://schemas.microsoft.com/office/drawing/2014/main" id="{0C52B8F4-0255-D36E-13BE-5CB466C2302D}"/>
               </a:ext>
             </a:extLst>
           </p:cNvPr>
@@ -1380,7 +1380,7 @@
           <p:cNvPr id="5" name="日期占位符 4">
             <a:extLst>
               <a:ext uri="{FF2B5EF4-FFF2-40B4-BE49-F238E27FC236}">
-                <a16:creationId xmlns:a16="http://schemas.microsoft.com/office/drawing/2014/main" id="{C3092E4B-BF82-D0D1-1AB2-AF3B7879D402}"/>
+                <a16:creationId xmlns:a16="http://schemas.microsoft.com/office/drawing/2014/main" id="{CBECBF39-FA0D-190B-D556-0E9374627D21}"/>
               </a:ext>
             </a:extLst>
           </p:cNvPr>
@@ -1396,7 +1396,7 @@
           <a:bodyPr/>
           <a:lstStyle/>
           <a:p>
-            <a:fld id="{C2BF6CB3-DFD8-444F-8360-7666EAF6419C}" type="datetimeFigureOut">
+            <a:fld id="{AB8903FF-444F-46B2-9D98-727DC7632E01}" type="datetimeFigureOut">
               <a:rPr lang="zh-CN" altLang="en-US" smtClean="0"/>
               <a:t>2024/3/10</a:t>
             </a:fld>
@@ -1409,7 +1409,7 @@
           <p:cNvPr id="6" name="页脚占位符 5">
             <a:extLst>
               <a:ext uri="{FF2B5EF4-FFF2-40B4-BE49-F238E27FC236}">
-                <a16:creationId xmlns:a16="http://schemas.microsoft.com/office/drawing/2014/main" id="{CC472887-D909-2934-F3DA-F44FFF6C7AB6}"/>
+                <a16:creationId xmlns:a16="http://schemas.microsoft.com/office/drawing/2014/main" id="{1D9D04AF-2D76-3944-F6E8-B7BEACCCAECB}"/>
               </a:ext>
             </a:extLst>
           </p:cNvPr>
@@ -1434,7 +1434,7 @@
           <p:cNvPr id="7" name="灯片编号占位符 6">
             <a:extLst>
               <a:ext uri="{FF2B5EF4-FFF2-40B4-BE49-F238E27FC236}">
-                <a16:creationId xmlns:a16="http://schemas.microsoft.com/office/drawing/2014/main" id="{EE22CE67-3FB2-A942-0600-EDEF65B744A6}"/>
+                <a16:creationId xmlns:a16="http://schemas.microsoft.com/office/drawing/2014/main" id="{A1323C60-C353-FF6B-F8DC-B86E4105C50C}"/>
               </a:ext>
             </a:extLst>
           </p:cNvPr>
@@ -1450,7 +1450,7 @@
           <a:bodyPr/>
           <a:lstStyle/>
           <a:p>
-            <a:fld id="{9FC84C4B-8707-41F4-9788-F2BF6660B710}" type="slidenum">
+            <a:fld id="{F710F418-8A43-4168-B232-EE8B525EF93F}" type="slidenum">
               <a:rPr lang="zh-CN" altLang="en-US" smtClean="0"/>
               <a:t>‹#›</a:t>
             </a:fld>
@@ -1461,7 +1461,7 @@
     </p:spTree>
     <p:extLst>
       <p:ext uri="{BB962C8B-B14F-4D97-AF65-F5344CB8AC3E}">
-        <p14:creationId xmlns:p14="http://schemas.microsoft.com/office/powerpoint/2010/main" val="1410400063"/>
+        <p14:creationId xmlns:p14="http://schemas.microsoft.com/office/powerpoint/2010/main" val="3549845551"/>
       </p:ext>
     </p:extLst>
   </p:cSld>
@@ -1493,7 +1493,7 @@
           <p:cNvPr id="2" name="标题 1">
             <a:extLst>
               <a:ext uri="{FF2B5EF4-FFF2-40B4-BE49-F238E27FC236}">
-                <a16:creationId xmlns:a16="http://schemas.microsoft.com/office/drawing/2014/main" id="{6295230C-2458-3CED-34F1-3BE622B8CE04}"/>
+                <a16:creationId xmlns:a16="http://schemas.microsoft.com/office/drawing/2014/main" id="{258D7465-598D-EEEC-03E3-40273A2CF0C6}"/>
               </a:ext>
             </a:extLst>
           </p:cNvPr>
@@ -1526,7 +1526,7 @@
           <p:cNvPr id="3" name="文本占位符 2">
             <a:extLst>
               <a:ext uri="{FF2B5EF4-FFF2-40B4-BE49-F238E27FC236}">
-                <a16:creationId xmlns:a16="http://schemas.microsoft.com/office/drawing/2014/main" id="{CC4F69EE-DBD5-5DC7-E23E-6B5AB3BDF4BF}"/>
+                <a16:creationId xmlns:a16="http://schemas.microsoft.com/office/drawing/2014/main" id="{265B65BE-E025-C16F-2476-6BB6F94E188B}"/>
               </a:ext>
             </a:extLst>
           </p:cNvPr>
@@ -1597,7 +1597,7 @@
           <p:cNvPr id="4" name="内容占位符 3">
             <a:extLst>
               <a:ext uri="{FF2B5EF4-FFF2-40B4-BE49-F238E27FC236}">
-                <a16:creationId xmlns:a16="http://schemas.microsoft.com/office/drawing/2014/main" id="{07BE60B6-A2FC-3AD7-9233-1C5A5A9E75EB}"/>
+                <a16:creationId xmlns:a16="http://schemas.microsoft.com/office/drawing/2014/main" id="{43DDDD9B-2C91-631D-8A0A-204E2CBB6178}"/>
               </a:ext>
             </a:extLst>
           </p:cNvPr>
@@ -1659,7 +1659,7 @@
           <p:cNvPr id="5" name="文本占位符 4">
             <a:extLst>
               <a:ext uri="{FF2B5EF4-FFF2-40B4-BE49-F238E27FC236}">
-                <a16:creationId xmlns:a16="http://schemas.microsoft.com/office/drawing/2014/main" id="{D49CEDF0-6962-C059-256A-D1314DA85941}"/>
+                <a16:creationId xmlns:a16="http://schemas.microsoft.com/office/drawing/2014/main" id="{2A53A9D9-39EC-2C52-E129-7FA462226DCB}"/>
               </a:ext>
             </a:extLst>
           </p:cNvPr>
@@ -1730,7 +1730,7 @@
           <p:cNvPr id="6" name="内容占位符 5">
             <a:extLst>
               <a:ext uri="{FF2B5EF4-FFF2-40B4-BE49-F238E27FC236}">
-                <a16:creationId xmlns:a16="http://schemas.microsoft.com/office/drawing/2014/main" id="{FC34A4E7-4661-BD82-A501-EACCCE832AB9}"/>
+                <a16:creationId xmlns:a16="http://schemas.microsoft.com/office/drawing/2014/main" id="{B23933BD-FC04-C441-7F75-0E1E5ACDED4E}"/>
               </a:ext>
             </a:extLst>
           </p:cNvPr>
@@ -1792,7 +1792,7 @@
           <p:cNvPr id="7" name="日期占位符 6">
             <a:extLst>
               <a:ext uri="{FF2B5EF4-FFF2-40B4-BE49-F238E27FC236}">
-                <a16:creationId xmlns:a16="http://schemas.microsoft.com/office/drawing/2014/main" id="{3C2228AA-AE50-3492-0F1A-651992ABB96B}"/>
+                <a16:creationId xmlns:a16="http://schemas.microsoft.com/office/drawing/2014/main" id="{02EE5D56-35E7-3CBA-A9C2-C5BDD62DF207}"/>
               </a:ext>
             </a:extLst>
           </p:cNvPr>
@@ -1808,7 +1808,7 @@
           <a:bodyPr/>
           <a:lstStyle/>
           <a:p>
-            <a:fld id="{C2BF6CB3-DFD8-444F-8360-7666EAF6419C}" type="datetimeFigureOut">
+            <a:fld id="{AB8903FF-444F-46B2-9D98-727DC7632E01}" type="datetimeFigureOut">
               <a:rPr lang="zh-CN" altLang="en-US" smtClean="0"/>
               <a:t>2024/3/10</a:t>
             </a:fld>
@@ -1821,7 +1821,7 @@
           <p:cNvPr id="8" name="页脚占位符 7">
             <a:extLst>
               <a:ext uri="{FF2B5EF4-FFF2-40B4-BE49-F238E27FC236}">
-                <a16:creationId xmlns:a16="http://schemas.microsoft.com/office/drawing/2014/main" id="{9B389E02-0A25-EB46-C669-FA53D57F2655}"/>
+                <a16:creationId xmlns:a16="http://schemas.microsoft.com/office/drawing/2014/main" id="{2EA09D1C-3789-7C93-F824-3B19A8E8BBA1}"/>
               </a:ext>
             </a:extLst>
           </p:cNvPr>
@@ -1846,7 +1846,7 @@
           <p:cNvPr id="9" name="灯片编号占位符 8">
             <a:extLst>
               <a:ext uri="{FF2B5EF4-FFF2-40B4-BE49-F238E27FC236}">
-                <a16:creationId xmlns:a16="http://schemas.microsoft.com/office/drawing/2014/main" id="{0EA62270-1FB5-8436-5FD4-F394B0081D03}"/>
+                <a16:creationId xmlns:a16="http://schemas.microsoft.com/office/drawing/2014/main" id="{85411C43-4F44-3690-FDA4-CC31D3B4A21C}"/>
               </a:ext>
             </a:extLst>
           </p:cNvPr>
@@ -1862,7 +1862,7 @@
           <a:bodyPr/>
           <a:lstStyle/>
           <a:p>
-            <a:fld id="{9FC84C4B-8707-41F4-9788-F2BF6660B710}" type="slidenum">
+            <a:fld id="{F710F418-8A43-4168-B232-EE8B525EF93F}" type="slidenum">
               <a:rPr lang="zh-CN" altLang="en-US" smtClean="0"/>
               <a:t>‹#›</a:t>
             </a:fld>
@@ -1873,7 +1873,7 @@
     </p:spTree>
     <p:extLst>
       <p:ext uri="{BB962C8B-B14F-4D97-AF65-F5344CB8AC3E}">
-        <p14:creationId xmlns:p14="http://schemas.microsoft.com/office/powerpoint/2010/main" val="716888890"/>
+        <p14:creationId xmlns:p14="http://schemas.microsoft.com/office/powerpoint/2010/main" val="141738411"/>
       </p:ext>
     </p:extLst>
   </p:cSld>
@@ -1905,7 +1905,7 @@
           <p:cNvPr id="2" name="标题 1">
             <a:extLst>
               <a:ext uri="{FF2B5EF4-FFF2-40B4-BE49-F238E27FC236}">
-                <a16:creationId xmlns:a16="http://schemas.microsoft.com/office/drawing/2014/main" id="{8158DBDF-DE4C-49D2-EAE1-5B2F0DFC3569}"/>
+                <a16:creationId xmlns:a16="http://schemas.microsoft.com/office/drawing/2014/main" id="{48728AA8-0554-8587-85F3-129137EDFFF4}"/>
               </a:ext>
             </a:extLst>
           </p:cNvPr>
@@ -1933,7 +1933,7 @@
           <p:cNvPr id="3" name="日期占位符 2">
             <a:extLst>
               <a:ext uri="{FF2B5EF4-FFF2-40B4-BE49-F238E27FC236}">
-                <a16:creationId xmlns:a16="http://schemas.microsoft.com/office/drawing/2014/main" id="{2BEC570D-4647-E915-E692-94EAFD357E85}"/>
+                <a16:creationId xmlns:a16="http://schemas.microsoft.com/office/drawing/2014/main" id="{AA31E561-F5FD-67ED-2833-C3A85CB3A1DC}"/>
               </a:ext>
             </a:extLst>
           </p:cNvPr>
@@ -1949,7 +1949,7 @@
           <a:bodyPr/>
           <a:lstStyle/>
           <a:p>
-            <a:fld id="{C2BF6CB3-DFD8-444F-8360-7666EAF6419C}" type="datetimeFigureOut">
+            <a:fld id="{AB8903FF-444F-46B2-9D98-727DC7632E01}" type="datetimeFigureOut">
               <a:rPr lang="zh-CN" altLang="en-US" smtClean="0"/>
               <a:t>2024/3/10</a:t>
             </a:fld>
@@ -1962,7 +1962,7 @@
           <p:cNvPr id="4" name="页脚占位符 3">
             <a:extLst>
               <a:ext uri="{FF2B5EF4-FFF2-40B4-BE49-F238E27FC236}">
-                <a16:creationId xmlns:a16="http://schemas.microsoft.com/office/drawing/2014/main" id="{3AEE2B39-02F0-4B90-D7DE-79C4A11EC37E}"/>
+                <a16:creationId xmlns:a16="http://schemas.microsoft.com/office/drawing/2014/main" id="{842C5D64-FAB2-9B25-A844-BA8ED9A1F1A1}"/>
               </a:ext>
             </a:extLst>
           </p:cNvPr>
@@ -1987,7 +1987,7 @@
           <p:cNvPr id="5" name="灯片编号占位符 4">
             <a:extLst>
               <a:ext uri="{FF2B5EF4-FFF2-40B4-BE49-F238E27FC236}">
-                <a16:creationId xmlns:a16="http://schemas.microsoft.com/office/drawing/2014/main" id="{5C2AC660-81B8-7A89-8E9E-2A0F6ECBB296}"/>
+                <a16:creationId xmlns:a16="http://schemas.microsoft.com/office/drawing/2014/main" id="{CDF6E0E9-6A3A-80AA-C77B-5AEC43CF235B}"/>
               </a:ext>
             </a:extLst>
           </p:cNvPr>
@@ -2003,7 +2003,7 @@
           <a:bodyPr/>
           <a:lstStyle/>
           <a:p>
-            <a:fld id="{9FC84C4B-8707-41F4-9788-F2BF6660B710}" type="slidenum">
+            <a:fld id="{F710F418-8A43-4168-B232-EE8B525EF93F}" type="slidenum">
               <a:rPr lang="zh-CN" altLang="en-US" smtClean="0"/>
               <a:t>‹#›</a:t>
             </a:fld>
@@ -2014,7 +2014,7 @@
     </p:spTree>
     <p:extLst>
       <p:ext uri="{BB962C8B-B14F-4D97-AF65-F5344CB8AC3E}">
-        <p14:creationId xmlns:p14="http://schemas.microsoft.com/office/powerpoint/2010/main" val="813747414"/>
+        <p14:creationId xmlns:p14="http://schemas.microsoft.com/office/powerpoint/2010/main" val="424801896"/>
       </p:ext>
     </p:extLst>
   </p:cSld>
@@ -2046,7 +2046,7 @@
           <p:cNvPr id="2" name="日期占位符 1">
             <a:extLst>
               <a:ext uri="{FF2B5EF4-FFF2-40B4-BE49-F238E27FC236}">
-                <a16:creationId xmlns:a16="http://schemas.microsoft.com/office/drawing/2014/main" id="{DC4C66DC-62AE-C70C-2987-F2BA311532FF}"/>
+                <a16:creationId xmlns:a16="http://schemas.microsoft.com/office/drawing/2014/main" id="{F98CDA32-BAEA-E7DC-74DF-C16E7C2E91D5}"/>
               </a:ext>
             </a:extLst>
           </p:cNvPr>
@@ -2062,7 +2062,7 @@
           <a:bodyPr/>
           <a:lstStyle/>
           <a:p>
-            <a:fld id="{C2BF6CB3-DFD8-444F-8360-7666EAF6419C}" type="datetimeFigureOut">
+            <a:fld id="{AB8903FF-444F-46B2-9D98-727DC7632E01}" type="datetimeFigureOut">
               <a:rPr lang="zh-CN" altLang="en-US" smtClean="0"/>
               <a:t>2024/3/10</a:t>
             </a:fld>
@@ -2075,7 +2075,7 @@
           <p:cNvPr id="3" name="页脚占位符 2">
             <a:extLst>
               <a:ext uri="{FF2B5EF4-FFF2-40B4-BE49-F238E27FC236}">
-                <a16:creationId xmlns:a16="http://schemas.microsoft.com/office/drawing/2014/main" id="{D76E29DC-6677-C1A3-DD88-07701B50A9AE}"/>
+                <a16:creationId xmlns:a16="http://schemas.microsoft.com/office/drawing/2014/main" id="{3544C6BD-1C9C-F9B4-B106-0F007448F5A2}"/>
               </a:ext>
             </a:extLst>
           </p:cNvPr>
@@ -2100,7 +2100,7 @@
           <p:cNvPr id="4" name="灯片编号占位符 3">
             <a:extLst>
               <a:ext uri="{FF2B5EF4-FFF2-40B4-BE49-F238E27FC236}">
-                <a16:creationId xmlns:a16="http://schemas.microsoft.com/office/drawing/2014/main" id="{01EAD3FA-9E8E-4D60-71FB-8384BC06522D}"/>
+                <a16:creationId xmlns:a16="http://schemas.microsoft.com/office/drawing/2014/main" id="{271B2FBF-1AF5-B507-729F-34606A04B01C}"/>
               </a:ext>
             </a:extLst>
           </p:cNvPr>
@@ -2116,7 +2116,7 @@
           <a:bodyPr/>
           <a:lstStyle/>
           <a:p>
-            <a:fld id="{9FC84C4B-8707-41F4-9788-F2BF6660B710}" type="slidenum">
+            <a:fld id="{F710F418-8A43-4168-B232-EE8B525EF93F}" type="slidenum">
               <a:rPr lang="zh-CN" altLang="en-US" smtClean="0"/>
               <a:t>‹#›</a:t>
             </a:fld>
@@ -2127,7 +2127,7 @@
     </p:spTree>
     <p:extLst>
       <p:ext uri="{BB962C8B-B14F-4D97-AF65-F5344CB8AC3E}">
-        <p14:creationId xmlns:p14="http://schemas.microsoft.com/office/powerpoint/2010/main" val="2596725474"/>
+        <p14:creationId xmlns:p14="http://schemas.microsoft.com/office/powerpoint/2010/main" val="3579551330"/>
       </p:ext>
     </p:extLst>
   </p:cSld>
@@ -2159,7 +2159,7 @@
           <p:cNvPr id="2" name="标题 1">
             <a:extLst>
               <a:ext uri="{FF2B5EF4-FFF2-40B4-BE49-F238E27FC236}">
-                <a16:creationId xmlns:a16="http://schemas.microsoft.com/office/drawing/2014/main" id="{DC31B70C-0853-5670-D995-0943177FE399}"/>
+                <a16:creationId xmlns:a16="http://schemas.microsoft.com/office/drawing/2014/main" id="{A16674E6-9240-C54B-71F8-CD6FCDDC750C}"/>
               </a:ext>
             </a:extLst>
           </p:cNvPr>
@@ -2196,7 +2196,7 @@
           <p:cNvPr id="3" name="内容占位符 2">
             <a:extLst>
               <a:ext uri="{FF2B5EF4-FFF2-40B4-BE49-F238E27FC236}">
-                <a16:creationId xmlns:a16="http://schemas.microsoft.com/office/drawing/2014/main" id="{D32C27AF-5138-164C-7A94-24F9E3CFD6E8}"/>
+                <a16:creationId xmlns:a16="http://schemas.microsoft.com/office/drawing/2014/main" id="{3F10D4D7-26D7-18CF-6E24-DC5D7082CE22}"/>
               </a:ext>
             </a:extLst>
           </p:cNvPr>
@@ -2286,7 +2286,7 @@
           <p:cNvPr id="4" name="文本占位符 3">
             <a:extLst>
               <a:ext uri="{FF2B5EF4-FFF2-40B4-BE49-F238E27FC236}">
-                <a16:creationId xmlns:a16="http://schemas.microsoft.com/office/drawing/2014/main" id="{6BEFE4C5-5823-A04F-D944-7A60CBBC1656}"/>
+                <a16:creationId xmlns:a16="http://schemas.microsoft.com/office/drawing/2014/main" id="{5A60C82F-B40D-775A-178B-5A32A85FCC4F}"/>
               </a:ext>
             </a:extLst>
           </p:cNvPr>
@@ -2357,7 +2357,7 @@
           <p:cNvPr id="5" name="日期占位符 4">
             <a:extLst>
               <a:ext uri="{FF2B5EF4-FFF2-40B4-BE49-F238E27FC236}">
-                <a16:creationId xmlns:a16="http://schemas.microsoft.com/office/drawing/2014/main" id="{1451CD2A-2A6B-1CFB-6CF0-2A544253231B}"/>
+                <a16:creationId xmlns:a16="http://schemas.microsoft.com/office/drawing/2014/main" id="{948C0D14-3A9F-4348-D647-8682B7FCF392}"/>
               </a:ext>
             </a:extLst>
           </p:cNvPr>
@@ -2373,7 +2373,7 @@
           <a:bodyPr/>
           <a:lstStyle/>
           <a:p>
-            <a:fld id="{C2BF6CB3-DFD8-444F-8360-7666EAF6419C}" type="datetimeFigureOut">
+            <a:fld id="{AB8903FF-444F-46B2-9D98-727DC7632E01}" type="datetimeFigureOut">
               <a:rPr lang="zh-CN" altLang="en-US" smtClean="0"/>
               <a:t>2024/3/10</a:t>
             </a:fld>
@@ -2386,7 +2386,7 @@
           <p:cNvPr id="6" name="页脚占位符 5">
             <a:extLst>
               <a:ext uri="{FF2B5EF4-FFF2-40B4-BE49-F238E27FC236}">
-                <a16:creationId xmlns:a16="http://schemas.microsoft.com/office/drawing/2014/main" id="{8D95798C-DD76-D921-88D3-4F13387A706D}"/>
+                <a16:creationId xmlns:a16="http://schemas.microsoft.com/office/drawing/2014/main" id="{BD4FECA9-0787-9A4E-422A-D328C22F5A6E}"/>
               </a:ext>
             </a:extLst>
           </p:cNvPr>
@@ -2411,7 +2411,7 @@
           <p:cNvPr id="7" name="灯片编号占位符 6">
             <a:extLst>
               <a:ext uri="{FF2B5EF4-FFF2-40B4-BE49-F238E27FC236}">
-                <a16:creationId xmlns:a16="http://schemas.microsoft.com/office/drawing/2014/main" id="{27A51980-A85B-1F8E-7CE7-58F1C1A24DCF}"/>
+                <a16:creationId xmlns:a16="http://schemas.microsoft.com/office/drawing/2014/main" id="{B730449A-5EED-98A3-A931-69671CC886ED}"/>
               </a:ext>
             </a:extLst>
           </p:cNvPr>
@@ -2427,7 +2427,7 @@
           <a:bodyPr/>
           <a:lstStyle/>
           <a:p>
-            <a:fld id="{9FC84C4B-8707-41F4-9788-F2BF6660B710}" type="slidenum">
+            <a:fld id="{F710F418-8A43-4168-B232-EE8B525EF93F}" type="slidenum">
               <a:rPr lang="zh-CN" altLang="en-US" smtClean="0"/>
               <a:t>‹#›</a:t>
             </a:fld>
@@ -2438,7 +2438,7 @@
     </p:spTree>
     <p:extLst>
       <p:ext uri="{BB962C8B-B14F-4D97-AF65-F5344CB8AC3E}">
-        <p14:creationId xmlns:p14="http://schemas.microsoft.com/office/powerpoint/2010/main" val="555323725"/>
+        <p14:creationId xmlns:p14="http://schemas.microsoft.com/office/powerpoint/2010/main" val="3251163716"/>
       </p:ext>
     </p:extLst>
   </p:cSld>
@@ -2470,7 +2470,7 @@
           <p:cNvPr id="2" name="标题 1">
             <a:extLst>
               <a:ext uri="{FF2B5EF4-FFF2-40B4-BE49-F238E27FC236}">
-                <a16:creationId xmlns:a16="http://schemas.microsoft.com/office/drawing/2014/main" id="{7F2038B0-1A35-27A2-2475-382BB012E106}"/>
+                <a16:creationId xmlns:a16="http://schemas.microsoft.com/office/drawing/2014/main" id="{6C4D76FB-22CB-031C-40C2-2DA629BEA679}"/>
               </a:ext>
             </a:extLst>
           </p:cNvPr>
@@ -2507,7 +2507,7 @@
           <p:cNvPr id="3" name="图片占位符 2">
             <a:extLst>
               <a:ext uri="{FF2B5EF4-FFF2-40B4-BE49-F238E27FC236}">
-                <a16:creationId xmlns:a16="http://schemas.microsoft.com/office/drawing/2014/main" id="{B1144C17-86DC-DDD8-6423-A61B9A29F4D7}"/>
+                <a16:creationId xmlns:a16="http://schemas.microsoft.com/office/drawing/2014/main" id="{604ABC65-24EA-C83C-08D4-B68B9ACCE0B5}"/>
               </a:ext>
             </a:extLst>
           </p:cNvPr>
@@ -2574,7 +2574,7 @@
           <p:cNvPr id="4" name="文本占位符 3">
             <a:extLst>
               <a:ext uri="{FF2B5EF4-FFF2-40B4-BE49-F238E27FC236}">
-                <a16:creationId xmlns:a16="http://schemas.microsoft.com/office/drawing/2014/main" id="{D3673DEC-17C7-E992-DEA1-FD69B54E91A1}"/>
+                <a16:creationId xmlns:a16="http://schemas.microsoft.com/office/drawing/2014/main" id="{EFB2B7E3-140F-6D8B-300B-E9948629C703}"/>
               </a:ext>
             </a:extLst>
           </p:cNvPr>
@@ -2645,7 +2645,7 @@
           <p:cNvPr id="5" name="日期占位符 4">
             <a:extLst>
               <a:ext uri="{FF2B5EF4-FFF2-40B4-BE49-F238E27FC236}">
-                <a16:creationId xmlns:a16="http://schemas.microsoft.com/office/drawing/2014/main" id="{62556169-B0D2-9037-2CB0-6851C5389944}"/>
+                <a16:creationId xmlns:a16="http://schemas.microsoft.com/office/drawing/2014/main" id="{B26D791B-B7EF-1953-9F81-521398B8EBA6}"/>
               </a:ext>
             </a:extLst>
           </p:cNvPr>
@@ -2661,7 +2661,7 @@
           <a:bodyPr/>
           <a:lstStyle/>
           <a:p>
-            <a:fld id="{C2BF6CB3-DFD8-444F-8360-7666EAF6419C}" type="datetimeFigureOut">
+            <a:fld id="{AB8903FF-444F-46B2-9D98-727DC7632E01}" type="datetimeFigureOut">
               <a:rPr lang="zh-CN" altLang="en-US" smtClean="0"/>
               <a:t>2024/3/10</a:t>
             </a:fld>
@@ -2674,7 +2674,7 @@
           <p:cNvPr id="6" name="页脚占位符 5">
             <a:extLst>
               <a:ext uri="{FF2B5EF4-FFF2-40B4-BE49-F238E27FC236}">
-                <a16:creationId xmlns:a16="http://schemas.microsoft.com/office/drawing/2014/main" id="{AACE5CCD-EC0D-C696-BA2B-487AC855AC82}"/>
+                <a16:creationId xmlns:a16="http://schemas.microsoft.com/office/drawing/2014/main" id="{10334D63-F1E7-E07A-C244-5697F8C631CC}"/>
               </a:ext>
             </a:extLst>
           </p:cNvPr>
@@ -2699,7 +2699,7 @@
           <p:cNvPr id="7" name="灯片编号占位符 6">
             <a:extLst>
               <a:ext uri="{FF2B5EF4-FFF2-40B4-BE49-F238E27FC236}">
-                <a16:creationId xmlns:a16="http://schemas.microsoft.com/office/drawing/2014/main" id="{85F02DDA-B209-99EE-4736-B60FBF36B5C1}"/>
+                <a16:creationId xmlns:a16="http://schemas.microsoft.com/office/drawing/2014/main" id="{C6AE2F24-C6CC-0E05-3A4F-4A8D08099C48}"/>
               </a:ext>
             </a:extLst>
           </p:cNvPr>
@@ -2715,7 +2715,7 @@
           <a:bodyPr/>
           <a:lstStyle/>
           <a:p>
-            <a:fld id="{9FC84C4B-8707-41F4-9788-F2BF6660B710}" type="slidenum">
+            <a:fld id="{F710F418-8A43-4168-B232-EE8B525EF93F}" type="slidenum">
               <a:rPr lang="zh-CN" altLang="en-US" smtClean="0"/>
               <a:t>‹#›</a:t>
             </a:fld>
@@ -2726,7 +2726,7 @@
     </p:spTree>
     <p:extLst>
       <p:ext uri="{BB962C8B-B14F-4D97-AF65-F5344CB8AC3E}">
-        <p14:creationId xmlns:p14="http://schemas.microsoft.com/office/powerpoint/2010/main" val="160634459"/>
+        <p14:creationId xmlns:p14="http://schemas.microsoft.com/office/powerpoint/2010/main" val="283284912"/>
       </p:ext>
     </p:extLst>
   </p:cSld>
@@ -2763,7 +2763,7 @@
           <p:cNvPr id="2" name="标题占位符 1">
             <a:extLst>
               <a:ext uri="{FF2B5EF4-FFF2-40B4-BE49-F238E27FC236}">
-                <a16:creationId xmlns:a16="http://schemas.microsoft.com/office/drawing/2014/main" id="{CDBC2737-A6EE-5A3E-12C6-4F48E61318C4}"/>
+                <a16:creationId xmlns:a16="http://schemas.microsoft.com/office/drawing/2014/main" id="{C12D02AF-4CB8-6812-9A67-91705974933B}"/>
               </a:ext>
             </a:extLst>
           </p:cNvPr>
@@ -2801,7 +2801,7 @@
           <p:cNvPr id="3" name="文本占位符 2">
             <a:extLst>
               <a:ext uri="{FF2B5EF4-FFF2-40B4-BE49-F238E27FC236}">
-                <a16:creationId xmlns:a16="http://schemas.microsoft.com/office/drawing/2014/main" id="{EAC5F587-07CA-EE81-BEAF-002C517E5F08}"/>
+                <a16:creationId xmlns:a16="http://schemas.microsoft.com/office/drawing/2014/main" id="{F0666A27-CA65-A85D-403A-3467B542D5FB}"/>
               </a:ext>
             </a:extLst>
           </p:cNvPr>
@@ -2868,7 +2868,7 @@
           <p:cNvPr id="4" name="日期占位符 3">
             <a:extLst>
               <a:ext uri="{FF2B5EF4-FFF2-40B4-BE49-F238E27FC236}">
-                <a16:creationId xmlns:a16="http://schemas.microsoft.com/office/drawing/2014/main" id="{ABD824DD-27B8-C386-416B-A21D54E18937}"/>
+                <a16:creationId xmlns:a16="http://schemas.microsoft.com/office/drawing/2014/main" id="{1827A092-04C0-0D72-6F2E-3809BB9EA512}"/>
               </a:ext>
             </a:extLst>
           </p:cNvPr>
@@ -2902,7 +2902,7 @@
             </a:lvl1pPr>
           </a:lstStyle>
           <a:p>
-            <a:fld id="{C2BF6CB3-DFD8-444F-8360-7666EAF6419C}" type="datetimeFigureOut">
+            <a:fld id="{AB8903FF-444F-46B2-9D98-727DC7632E01}" type="datetimeFigureOut">
               <a:rPr lang="zh-CN" altLang="en-US" smtClean="0"/>
               <a:t>2024/3/10</a:t>
             </a:fld>
@@ -2915,7 +2915,7 @@
           <p:cNvPr id="5" name="页脚占位符 4">
             <a:extLst>
               <a:ext uri="{FF2B5EF4-FFF2-40B4-BE49-F238E27FC236}">
-                <a16:creationId xmlns:a16="http://schemas.microsoft.com/office/drawing/2014/main" id="{EC6E3AE6-3A34-7452-AA6E-BF2307005EA8}"/>
+                <a16:creationId xmlns:a16="http://schemas.microsoft.com/office/drawing/2014/main" id="{2BB55CAA-F700-11EB-B5A7-C38FEE7DB548}"/>
               </a:ext>
             </a:extLst>
           </p:cNvPr>
@@ -2958,7 +2958,7 @@
           <p:cNvPr id="6" name="灯片编号占位符 5">
             <a:extLst>
               <a:ext uri="{FF2B5EF4-FFF2-40B4-BE49-F238E27FC236}">
-                <a16:creationId xmlns:a16="http://schemas.microsoft.com/office/drawing/2014/main" id="{FBDB63FF-53E0-12D9-1EDE-A4EE15E9B70F}"/>
+                <a16:creationId xmlns:a16="http://schemas.microsoft.com/office/drawing/2014/main" id="{405F86B0-9683-6B62-0474-8B182397FA4C}"/>
               </a:ext>
             </a:extLst>
           </p:cNvPr>
@@ -2992,7 +2992,7 @@
             </a:lvl1pPr>
           </a:lstStyle>
           <a:p>
-            <a:fld id="{9FC84C4B-8707-41F4-9788-F2BF6660B710}" type="slidenum">
+            <a:fld id="{F710F418-8A43-4168-B232-EE8B525EF93F}" type="slidenum">
               <a:rPr lang="zh-CN" altLang="en-US" smtClean="0"/>
               <a:t>‹#›</a:t>
             </a:fld>
@@ -3003,7 +3003,7 @@
     </p:spTree>
     <p:extLst>
       <p:ext uri="{BB962C8B-B14F-4D97-AF65-F5344CB8AC3E}">
-        <p14:creationId xmlns:p14="http://schemas.microsoft.com/office/powerpoint/2010/main" val="3239949816"/>
+        <p14:creationId xmlns:p14="http://schemas.microsoft.com/office/powerpoint/2010/main" val="4261255345"/>
       </p:ext>
     </p:extLst>
   </p:cSld>
